--- a/ppt 16-9/0779.主我愿单属你.pptx
+++ b/ppt 16-9/0779.主我愿单属你.pptx
@@ -5,7 +5,7 @@
     <p:sldMasterId id="2147483648" r:id="rId1"/>
   </p:sldMasterIdLst>
   <p:sldIdLst>
-    <p:sldId id="2041" r:id="rId2"/>
+    <p:sldId id="2043" r:id="rId2"/>
   </p:sldIdLst>
   <p:sldSz cx="12192000" cy="6858000"/>
   <p:notesSz cx="6858000" cy="9144000"/>
@@ -129,7 +129,7 @@
           <p:cNvPr id="2" name="标题 1">
             <a:extLst>
               <a:ext uri="{FF2B5EF4-FFF2-40B4-BE49-F238E27FC236}">
-                <a16:creationId xmlns:a16="http://schemas.microsoft.com/office/drawing/2014/main" id="{74B9307B-6E7F-B7D2-7E81-9E11336D1C5D}"/>
+                <a16:creationId xmlns:a16="http://schemas.microsoft.com/office/drawing/2014/main" id="{0A54E697-3282-F117-3C55-AFC4F0759697}"/>
               </a:ext>
             </a:extLst>
           </p:cNvPr>
@@ -166,7 +166,7 @@
           <p:cNvPr id="3" name="副标题 2">
             <a:extLst>
               <a:ext uri="{FF2B5EF4-FFF2-40B4-BE49-F238E27FC236}">
-                <a16:creationId xmlns:a16="http://schemas.microsoft.com/office/drawing/2014/main" id="{0ABB4BC8-27EC-283D-3F1A-CAC43054D69C}"/>
+                <a16:creationId xmlns:a16="http://schemas.microsoft.com/office/drawing/2014/main" id="{FB3A0EE0-3150-3284-7D8B-DCC35C0CBE54}"/>
               </a:ext>
             </a:extLst>
           </p:cNvPr>
@@ -236,7 +236,7 @@
           <p:cNvPr id="4" name="日期占位符 3">
             <a:extLst>
               <a:ext uri="{FF2B5EF4-FFF2-40B4-BE49-F238E27FC236}">
-                <a16:creationId xmlns:a16="http://schemas.microsoft.com/office/drawing/2014/main" id="{1A2750BB-5AA2-C3D1-290C-12E665495FE3}"/>
+                <a16:creationId xmlns:a16="http://schemas.microsoft.com/office/drawing/2014/main" id="{DCA78C27-1DBC-B26B-3B99-099CC0DAB48A}"/>
               </a:ext>
             </a:extLst>
           </p:cNvPr>
@@ -252,7 +252,7 @@
           <a:bodyPr/>
           <a:lstStyle/>
           <a:p>
-            <a:fld id="{AE6675D6-26F1-418E-8122-24FDEAC326FB}" type="datetimeFigureOut">
+            <a:fld id="{07260B31-5160-4582-B4D1-BBCC768F8542}" type="datetimeFigureOut">
               <a:rPr lang="zh-CN" altLang="en-US" smtClean="0"/>
               <a:t>2024/3/10</a:t>
             </a:fld>
@@ -265,7 +265,7 @@
           <p:cNvPr id="5" name="页脚占位符 4">
             <a:extLst>
               <a:ext uri="{FF2B5EF4-FFF2-40B4-BE49-F238E27FC236}">
-                <a16:creationId xmlns:a16="http://schemas.microsoft.com/office/drawing/2014/main" id="{A003D5EC-3B7B-E6B6-AA20-AF6AF203D665}"/>
+                <a16:creationId xmlns:a16="http://schemas.microsoft.com/office/drawing/2014/main" id="{A8D09BF4-CA08-7765-287A-256E78A4EC1F}"/>
               </a:ext>
             </a:extLst>
           </p:cNvPr>
@@ -290,7 +290,7 @@
           <p:cNvPr id="6" name="灯片编号占位符 5">
             <a:extLst>
               <a:ext uri="{FF2B5EF4-FFF2-40B4-BE49-F238E27FC236}">
-                <a16:creationId xmlns:a16="http://schemas.microsoft.com/office/drawing/2014/main" id="{8D1275D7-8513-F652-BF92-3257A11DC9FD}"/>
+                <a16:creationId xmlns:a16="http://schemas.microsoft.com/office/drawing/2014/main" id="{2739D164-0D80-7A13-74CC-E28356E2A259}"/>
               </a:ext>
             </a:extLst>
           </p:cNvPr>
@@ -306,7 +306,7 @@
           <a:bodyPr/>
           <a:lstStyle/>
           <a:p>
-            <a:fld id="{11FD2792-66CA-4F53-8263-AEE2F7B5177F}" type="slidenum">
+            <a:fld id="{916F31A9-EAC6-473A-B040-E60322B4F40B}" type="slidenum">
               <a:rPr lang="zh-CN" altLang="en-US" smtClean="0"/>
               <a:t>‹#›</a:t>
             </a:fld>
@@ -317,7 +317,7 @@
     </p:spTree>
     <p:extLst>
       <p:ext uri="{BB962C8B-B14F-4D97-AF65-F5344CB8AC3E}">
-        <p14:creationId xmlns:p14="http://schemas.microsoft.com/office/powerpoint/2010/main" val="1210039449"/>
+        <p14:creationId xmlns:p14="http://schemas.microsoft.com/office/powerpoint/2010/main" val="3117878807"/>
       </p:ext>
     </p:extLst>
   </p:cSld>
@@ -349,7 +349,7 @@
           <p:cNvPr id="2" name="标题 1">
             <a:extLst>
               <a:ext uri="{FF2B5EF4-FFF2-40B4-BE49-F238E27FC236}">
-                <a16:creationId xmlns:a16="http://schemas.microsoft.com/office/drawing/2014/main" id="{1DB80E57-CE53-6F97-DD51-3C96F385B61A}"/>
+                <a16:creationId xmlns:a16="http://schemas.microsoft.com/office/drawing/2014/main" id="{D4E9CE56-E1F7-1D8F-72A1-87AC3361AD06}"/>
               </a:ext>
             </a:extLst>
           </p:cNvPr>
@@ -377,7 +377,7 @@
           <p:cNvPr id="3" name="竖排文字占位符 2">
             <a:extLst>
               <a:ext uri="{FF2B5EF4-FFF2-40B4-BE49-F238E27FC236}">
-                <a16:creationId xmlns:a16="http://schemas.microsoft.com/office/drawing/2014/main" id="{629DA75F-62E0-E7A7-6085-28F6667BCB0F}"/>
+                <a16:creationId xmlns:a16="http://schemas.microsoft.com/office/drawing/2014/main" id="{A2843CAE-0C3F-4AC3-A367-018247AE0B91}"/>
               </a:ext>
             </a:extLst>
           </p:cNvPr>
@@ -434,7 +434,7 @@
           <p:cNvPr id="4" name="日期占位符 3">
             <a:extLst>
               <a:ext uri="{FF2B5EF4-FFF2-40B4-BE49-F238E27FC236}">
-                <a16:creationId xmlns:a16="http://schemas.microsoft.com/office/drawing/2014/main" id="{A7CA4F33-45BE-8312-080A-464536D0AB95}"/>
+                <a16:creationId xmlns:a16="http://schemas.microsoft.com/office/drawing/2014/main" id="{2059ED16-76D7-67E2-8EEF-5D760A6E9DCB}"/>
               </a:ext>
             </a:extLst>
           </p:cNvPr>
@@ -450,7 +450,7 @@
           <a:bodyPr/>
           <a:lstStyle/>
           <a:p>
-            <a:fld id="{AE6675D6-26F1-418E-8122-24FDEAC326FB}" type="datetimeFigureOut">
+            <a:fld id="{07260B31-5160-4582-B4D1-BBCC768F8542}" type="datetimeFigureOut">
               <a:rPr lang="zh-CN" altLang="en-US" smtClean="0"/>
               <a:t>2024/3/10</a:t>
             </a:fld>
@@ -463,7 +463,7 @@
           <p:cNvPr id="5" name="页脚占位符 4">
             <a:extLst>
               <a:ext uri="{FF2B5EF4-FFF2-40B4-BE49-F238E27FC236}">
-                <a16:creationId xmlns:a16="http://schemas.microsoft.com/office/drawing/2014/main" id="{E9FEDEED-8165-7F86-C67E-2148A43E1ADD}"/>
+                <a16:creationId xmlns:a16="http://schemas.microsoft.com/office/drawing/2014/main" id="{77045659-BEDB-834F-5090-3D237F64E5B3}"/>
               </a:ext>
             </a:extLst>
           </p:cNvPr>
@@ -488,7 +488,7 @@
           <p:cNvPr id="6" name="灯片编号占位符 5">
             <a:extLst>
               <a:ext uri="{FF2B5EF4-FFF2-40B4-BE49-F238E27FC236}">
-                <a16:creationId xmlns:a16="http://schemas.microsoft.com/office/drawing/2014/main" id="{63126315-F9F5-6D03-6ECA-03ED6DDC9BD6}"/>
+                <a16:creationId xmlns:a16="http://schemas.microsoft.com/office/drawing/2014/main" id="{20ECDBAC-99C6-87CF-83C9-5AFCC63CB803}"/>
               </a:ext>
             </a:extLst>
           </p:cNvPr>
@@ -504,7 +504,7 @@
           <a:bodyPr/>
           <a:lstStyle/>
           <a:p>
-            <a:fld id="{11FD2792-66CA-4F53-8263-AEE2F7B5177F}" type="slidenum">
+            <a:fld id="{916F31A9-EAC6-473A-B040-E60322B4F40B}" type="slidenum">
               <a:rPr lang="zh-CN" altLang="en-US" smtClean="0"/>
               <a:t>‹#›</a:t>
             </a:fld>
@@ -515,7 +515,7 @@
     </p:spTree>
     <p:extLst>
       <p:ext uri="{BB962C8B-B14F-4D97-AF65-F5344CB8AC3E}">
-        <p14:creationId xmlns:p14="http://schemas.microsoft.com/office/powerpoint/2010/main" val="3989255965"/>
+        <p14:creationId xmlns:p14="http://schemas.microsoft.com/office/powerpoint/2010/main" val="4138855384"/>
       </p:ext>
     </p:extLst>
   </p:cSld>
@@ -547,7 +547,7 @@
           <p:cNvPr id="2" name="竖排标题 1">
             <a:extLst>
               <a:ext uri="{FF2B5EF4-FFF2-40B4-BE49-F238E27FC236}">
-                <a16:creationId xmlns:a16="http://schemas.microsoft.com/office/drawing/2014/main" id="{FA68570E-B787-DEE2-5193-35A535C3154C}"/>
+                <a16:creationId xmlns:a16="http://schemas.microsoft.com/office/drawing/2014/main" id="{59DE4D4D-2C15-E06E-85F0-9326AC10980B}"/>
               </a:ext>
             </a:extLst>
           </p:cNvPr>
@@ -580,7 +580,7 @@
           <p:cNvPr id="3" name="竖排文字占位符 2">
             <a:extLst>
               <a:ext uri="{FF2B5EF4-FFF2-40B4-BE49-F238E27FC236}">
-                <a16:creationId xmlns:a16="http://schemas.microsoft.com/office/drawing/2014/main" id="{CC78AED0-3986-85DA-3D8B-CF9CBC5B75F1}"/>
+                <a16:creationId xmlns:a16="http://schemas.microsoft.com/office/drawing/2014/main" id="{3A3BB82D-C426-DFF6-B3D9-3E9A8C31569D}"/>
               </a:ext>
             </a:extLst>
           </p:cNvPr>
@@ -642,7 +642,7 @@
           <p:cNvPr id="4" name="日期占位符 3">
             <a:extLst>
               <a:ext uri="{FF2B5EF4-FFF2-40B4-BE49-F238E27FC236}">
-                <a16:creationId xmlns:a16="http://schemas.microsoft.com/office/drawing/2014/main" id="{2173D8D5-8989-7815-B16C-F6B6B899C9E9}"/>
+                <a16:creationId xmlns:a16="http://schemas.microsoft.com/office/drawing/2014/main" id="{0FE53CAC-1958-1F1C-6C54-EED2F3148B27}"/>
               </a:ext>
             </a:extLst>
           </p:cNvPr>
@@ -658,7 +658,7 @@
           <a:bodyPr/>
           <a:lstStyle/>
           <a:p>
-            <a:fld id="{AE6675D6-26F1-418E-8122-24FDEAC326FB}" type="datetimeFigureOut">
+            <a:fld id="{07260B31-5160-4582-B4D1-BBCC768F8542}" type="datetimeFigureOut">
               <a:rPr lang="zh-CN" altLang="en-US" smtClean="0"/>
               <a:t>2024/3/10</a:t>
             </a:fld>
@@ -671,7 +671,7 @@
           <p:cNvPr id="5" name="页脚占位符 4">
             <a:extLst>
               <a:ext uri="{FF2B5EF4-FFF2-40B4-BE49-F238E27FC236}">
-                <a16:creationId xmlns:a16="http://schemas.microsoft.com/office/drawing/2014/main" id="{CE32E06D-74C2-E314-DC00-3A76D0F8240C}"/>
+                <a16:creationId xmlns:a16="http://schemas.microsoft.com/office/drawing/2014/main" id="{6DDB779E-547B-E716-99C4-3A225610DFAA}"/>
               </a:ext>
             </a:extLst>
           </p:cNvPr>
@@ -696,7 +696,7 @@
           <p:cNvPr id="6" name="灯片编号占位符 5">
             <a:extLst>
               <a:ext uri="{FF2B5EF4-FFF2-40B4-BE49-F238E27FC236}">
-                <a16:creationId xmlns:a16="http://schemas.microsoft.com/office/drawing/2014/main" id="{0D338B83-3A2E-78B9-0494-716D9AE7AD27}"/>
+                <a16:creationId xmlns:a16="http://schemas.microsoft.com/office/drawing/2014/main" id="{4D183EAA-53C3-BF1A-3FEC-FBF1D4637E2B}"/>
               </a:ext>
             </a:extLst>
           </p:cNvPr>
@@ -712,7 +712,7 @@
           <a:bodyPr/>
           <a:lstStyle/>
           <a:p>
-            <a:fld id="{11FD2792-66CA-4F53-8263-AEE2F7B5177F}" type="slidenum">
+            <a:fld id="{916F31A9-EAC6-473A-B040-E60322B4F40B}" type="slidenum">
               <a:rPr lang="zh-CN" altLang="en-US" smtClean="0"/>
               <a:t>‹#›</a:t>
             </a:fld>
@@ -723,7 +723,7 @@
     </p:spTree>
     <p:extLst>
       <p:ext uri="{BB962C8B-B14F-4D97-AF65-F5344CB8AC3E}">
-        <p14:creationId xmlns:p14="http://schemas.microsoft.com/office/powerpoint/2010/main" val="2750463938"/>
+        <p14:creationId xmlns:p14="http://schemas.microsoft.com/office/powerpoint/2010/main" val="205592620"/>
       </p:ext>
     </p:extLst>
   </p:cSld>
@@ -755,7 +755,7 @@
           <p:cNvPr id="2" name="标题 1">
             <a:extLst>
               <a:ext uri="{FF2B5EF4-FFF2-40B4-BE49-F238E27FC236}">
-                <a16:creationId xmlns:a16="http://schemas.microsoft.com/office/drawing/2014/main" id="{6C235662-FE78-EDC3-0A04-57AD0B6897C2}"/>
+                <a16:creationId xmlns:a16="http://schemas.microsoft.com/office/drawing/2014/main" id="{C227CACE-6593-2D0F-5847-5BAD82CA7626}"/>
               </a:ext>
             </a:extLst>
           </p:cNvPr>
@@ -783,7 +783,7 @@
           <p:cNvPr id="3" name="内容占位符 2">
             <a:extLst>
               <a:ext uri="{FF2B5EF4-FFF2-40B4-BE49-F238E27FC236}">
-                <a16:creationId xmlns:a16="http://schemas.microsoft.com/office/drawing/2014/main" id="{DC353360-87D6-6D34-BBF1-95432F54257C}"/>
+                <a16:creationId xmlns:a16="http://schemas.microsoft.com/office/drawing/2014/main" id="{260CCAE2-77D9-F4F7-AE23-6DA1D2784EFD}"/>
               </a:ext>
             </a:extLst>
           </p:cNvPr>
@@ -840,7 +840,7 @@
           <p:cNvPr id="4" name="日期占位符 3">
             <a:extLst>
               <a:ext uri="{FF2B5EF4-FFF2-40B4-BE49-F238E27FC236}">
-                <a16:creationId xmlns:a16="http://schemas.microsoft.com/office/drawing/2014/main" id="{D0790518-BC59-496C-00D5-B99925790288}"/>
+                <a16:creationId xmlns:a16="http://schemas.microsoft.com/office/drawing/2014/main" id="{51E8FB75-63B5-361A-60D7-D30688F2175F}"/>
               </a:ext>
             </a:extLst>
           </p:cNvPr>
@@ -856,7 +856,7 @@
           <a:bodyPr/>
           <a:lstStyle/>
           <a:p>
-            <a:fld id="{AE6675D6-26F1-418E-8122-24FDEAC326FB}" type="datetimeFigureOut">
+            <a:fld id="{07260B31-5160-4582-B4D1-BBCC768F8542}" type="datetimeFigureOut">
               <a:rPr lang="zh-CN" altLang="en-US" smtClean="0"/>
               <a:t>2024/3/10</a:t>
             </a:fld>
@@ -869,7 +869,7 @@
           <p:cNvPr id="5" name="页脚占位符 4">
             <a:extLst>
               <a:ext uri="{FF2B5EF4-FFF2-40B4-BE49-F238E27FC236}">
-                <a16:creationId xmlns:a16="http://schemas.microsoft.com/office/drawing/2014/main" id="{ABEC47E6-751E-26C6-779F-92A93E0A347C}"/>
+                <a16:creationId xmlns:a16="http://schemas.microsoft.com/office/drawing/2014/main" id="{08828688-DC30-3A35-E6E6-6B2681ECF938}"/>
               </a:ext>
             </a:extLst>
           </p:cNvPr>
@@ -894,7 +894,7 @@
           <p:cNvPr id="6" name="灯片编号占位符 5">
             <a:extLst>
               <a:ext uri="{FF2B5EF4-FFF2-40B4-BE49-F238E27FC236}">
-                <a16:creationId xmlns:a16="http://schemas.microsoft.com/office/drawing/2014/main" id="{A225D4D2-1FC8-1D10-94E6-370332EDB9C8}"/>
+                <a16:creationId xmlns:a16="http://schemas.microsoft.com/office/drawing/2014/main" id="{CDC009A0-A76C-3179-1906-5450C21A392D}"/>
               </a:ext>
             </a:extLst>
           </p:cNvPr>
@@ -910,7 +910,7 @@
           <a:bodyPr/>
           <a:lstStyle/>
           <a:p>
-            <a:fld id="{11FD2792-66CA-4F53-8263-AEE2F7B5177F}" type="slidenum">
+            <a:fld id="{916F31A9-EAC6-473A-B040-E60322B4F40B}" type="slidenum">
               <a:rPr lang="zh-CN" altLang="en-US" smtClean="0"/>
               <a:t>‹#›</a:t>
             </a:fld>
@@ -921,7 +921,7 @@
     </p:spTree>
     <p:extLst>
       <p:ext uri="{BB962C8B-B14F-4D97-AF65-F5344CB8AC3E}">
-        <p14:creationId xmlns:p14="http://schemas.microsoft.com/office/powerpoint/2010/main" val="4042900371"/>
+        <p14:creationId xmlns:p14="http://schemas.microsoft.com/office/powerpoint/2010/main" val="3425997040"/>
       </p:ext>
     </p:extLst>
   </p:cSld>
@@ -953,7 +953,7 @@
           <p:cNvPr id="2" name="标题 1">
             <a:extLst>
               <a:ext uri="{FF2B5EF4-FFF2-40B4-BE49-F238E27FC236}">
-                <a16:creationId xmlns:a16="http://schemas.microsoft.com/office/drawing/2014/main" id="{7829B6FF-5822-622C-4238-30C8906D62F2}"/>
+                <a16:creationId xmlns:a16="http://schemas.microsoft.com/office/drawing/2014/main" id="{9E8C8DFE-CC10-E5E1-FC94-D7DA6226725D}"/>
               </a:ext>
             </a:extLst>
           </p:cNvPr>
@@ -990,7 +990,7 @@
           <p:cNvPr id="3" name="文本占位符 2">
             <a:extLst>
               <a:ext uri="{FF2B5EF4-FFF2-40B4-BE49-F238E27FC236}">
-                <a16:creationId xmlns:a16="http://schemas.microsoft.com/office/drawing/2014/main" id="{5154E0C4-F6CC-767C-8434-53EBE5ECE55F}"/>
+                <a16:creationId xmlns:a16="http://schemas.microsoft.com/office/drawing/2014/main" id="{40F919BB-346E-AA7F-2BB2-D86EC02633D5}"/>
               </a:ext>
             </a:extLst>
           </p:cNvPr>
@@ -1115,7 +1115,7 @@
           <p:cNvPr id="4" name="日期占位符 3">
             <a:extLst>
               <a:ext uri="{FF2B5EF4-FFF2-40B4-BE49-F238E27FC236}">
-                <a16:creationId xmlns:a16="http://schemas.microsoft.com/office/drawing/2014/main" id="{13444DD5-814D-54B1-94AD-707FAEC844DE}"/>
+                <a16:creationId xmlns:a16="http://schemas.microsoft.com/office/drawing/2014/main" id="{7AC9D023-1A3A-5718-61ED-A690D1896D14}"/>
               </a:ext>
             </a:extLst>
           </p:cNvPr>
@@ -1131,7 +1131,7 @@
           <a:bodyPr/>
           <a:lstStyle/>
           <a:p>
-            <a:fld id="{AE6675D6-26F1-418E-8122-24FDEAC326FB}" type="datetimeFigureOut">
+            <a:fld id="{07260B31-5160-4582-B4D1-BBCC768F8542}" type="datetimeFigureOut">
               <a:rPr lang="zh-CN" altLang="en-US" smtClean="0"/>
               <a:t>2024/3/10</a:t>
             </a:fld>
@@ -1144,7 +1144,7 @@
           <p:cNvPr id="5" name="页脚占位符 4">
             <a:extLst>
               <a:ext uri="{FF2B5EF4-FFF2-40B4-BE49-F238E27FC236}">
-                <a16:creationId xmlns:a16="http://schemas.microsoft.com/office/drawing/2014/main" id="{2E54CCAA-8684-BFEA-4F77-A012D2AD3FF9}"/>
+                <a16:creationId xmlns:a16="http://schemas.microsoft.com/office/drawing/2014/main" id="{B74D0A7A-E424-B7C6-249E-140521654ECC}"/>
               </a:ext>
             </a:extLst>
           </p:cNvPr>
@@ -1169,7 +1169,7 @@
           <p:cNvPr id="6" name="灯片编号占位符 5">
             <a:extLst>
               <a:ext uri="{FF2B5EF4-FFF2-40B4-BE49-F238E27FC236}">
-                <a16:creationId xmlns:a16="http://schemas.microsoft.com/office/drawing/2014/main" id="{D47F4790-C832-2B14-321C-713D65205BD2}"/>
+                <a16:creationId xmlns:a16="http://schemas.microsoft.com/office/drawing/2014/main" id="{A93E4598-3FF1-991F-7069-F9F40D62403D}"/>
               </a:ext>
             </a:extLst>
           </p:cNvPr>
@@ -1185,7 +1185,7 @@
           <a:bodyPr/>
           <a:lstStyle/>
           <a:p>
-            <a:fld id="{11FD2792-66CA-4F53-8263-AEE2F7B5177F}" type="slidenum">
+            <a:fld id="{916F31A9-EAC6-473A-B040-E60322B4F40B}" type="slidenum">
               <a:rPr lang="zh-CN" altLang="en-US" smtClean="0"/>
               <a:t>‹#›</a:t>
             </a:fld>
@@ -1196,7 +1196,7 @@
     </p:spTree>
     <p:extLst>
       <p:ext uri="{BB962C8B-B14F-4D97-AF65-F5344CB8AC3E}">
-        <p14:creationId xmlns:p14="http://schemas.microsoft.com/office/powerpoint/2010/main" val="3411821353"/>
+        <p14:creationId xmlns:p14="http://schemas.microsoft.com/office/powerpoint/2010/main" val="3311187873"/>
       </p:ext>
     </p:extLst>
   </p:cSld>
@@ -1228,7 +1228,7 @@
           <p:cNvPr id="2" name="标题 1">
             <a:extLst>
               <a:ext uri="{FF2B5EF4-FFF2-40B4-BE49-F238E27FC236}">
-                <a16:creationId xmlns:a16="http://schemas.microsoft.com/office/drawing/2014/main" id="{E56C185E-20D4-6D19-2355-C068732B2C10}"/>
+                <a16:creationId xmlns:a16="http://schemas.microsoft.com/office/drawing/2014/main" id="{C65EA70F-E573-F088-F755-A70196B8B7C8}"/>
               </a:ext>
             </a:extLst>
           </p:cNvPr>
@@ -1256,7 +1256,7 @@
           <p:cNvPr id="3" name="内容占位符 2">
             <a:extLst>
               <a:ext uri="{FF2B5EF4-FFF2-40B4-BE49-F238E27FC236}">
-                <a16:creationId xmlns:a16="http://schemas.microsoft.com/office/drawing/2014/main" id="{2B00BA91-A456-E247-9718-3F7B633E91E1}"/>
+                <a16:creationId xmlns:a16="http://schemas.microsoft.com/office/drawing/2014/main" id="{5A471A9E-3EA3-ADC5-B609-B92E805DB0E0}"/>
               </a:ext>
             </a:extLst>
           </p:cNvPr>
@@ -1318,7 +1318,7 @@
           <p:cNvPr id="4" name="内容占位符 3">
             <a:extLst>
               <a:ext uri="{FF2B5EF4-FFF2-40B4-BE49-F238E27FC236}">
-                <a16:creationId xmlns:a16="http://schemas.microsoft.com/office/drawing/2014/main" id="{A89379A1-E987-85A7-06A3-77B6995FCC6B}"/>
+                <a16:creationId xmlns:a16="http://schemas.microsoft.com/office/drawing/2014/main" id="{9ABD5AB8-A7B3-2522-8D45-D26F98B304CC}"/>
               </a:ext>
             </a:extLst>
           </p:cNvPr>
@@ -1380,7 +1380,7 @@
           <p:cNvPr id="5" name="日期占位符 4">
             <a:extLst>
               <a:ext uri="{FF2B5EF4-FFF2-40B4-BE49-F238E27FC236}">
-                <a16:creationId xmlns:a16="http://schemas.microsoft.com/office/drawing/2014/main" id="{90B3388E-9D99-7BE3-37A8-1AF11129AC46}"/>
+                <a16:creationId xmlns:a16="http://schemas.microsoft.com/office/drawing/2014/main" id="{3C0CECE0-082B-DB1A-A3AC-A79BE06E1E76}"/>
               </a:ext>
             </a:extLst>
           </p:cNvPr>
@@ -1396,7 +1396,7 @@
           <a:bodyPr/>
           <a:lstStyle/>
           <a:p>
-            <a:fld id="{AE6675D6-26F1-418E-8122-24FDEAC326FB}" type="datetimeFigureOut">
+            <a:fld id="{07260B31-5160-4582-B4D1-BBCC768F8542}" type="datetimeFigureOut">
               <a:rPr lang="zh-CN" altLang="en-US" smtClean="0"/>
               <a:t>2024/3/10</a:t>
             </a:fld>
@@ -1409,7 +1409,7 @@
           <p:cNvPr id="6" name="页脚占位符 5">
             <a:extLst>
               <a:ext uri="{FF2B5EF4-FFF2-40B4-BE49-F238E27FC236}">
-                <a16:creationId xmlns:a16="http://schemas.microsoft.com/office/drawing/2014/main" id="{4C32A8C3-E397-24BB-BAD9-64F3FDC79F42}"/>
+                <a16:creationId xmlns:a16="http://schemas.microsoft.com/office/drawing/2014/main" id="{8374AF28-800D-81AA-0817-9B069E90F864}"/>
               </a:ext>
             </a:extLst>
           </p:cNvPr>
@@ -1434,7 +1434,7 @@
           <p:cNvPr id="7" name="灯片编号占位符 6">
             <a:extLst>
               <a:ext uri="{FF2B5EF4-FFF2-40B4-BE49-F238E27FC236}">
-                <a16:creationId xmlns:a16="http://schemas.microsoft.com/office/drawing/2014/main" id="{44C108A6-78DD-62F4-D961-1545E85AF02B}"/>
+                <a16:creationId xmlns:a16="http://schemas.microsoft.com/office/drawing/2014/main" id="{83D93C96-A442-61C8-E422-BD660CD7098C}"/>
               </a:ext>
             </a:extLst>
           </p:cNvPr>
@@ -1450,7 +1450,7 @@
           <a:bodyPr/>
           <a:lstStyle/>
           <a:p>
-            <a:fld id="{11FD2792-66CA-4F53-8263-AEE2F7B5177F}" type="slidenum">
+            <a:fld id="{916F31A9-EAC6-473A-B040-E60322B4F40B}" type="slidenum">
               <a:rPr lang="zh-CN" altLang="en-US" smtClean="0"/>
               <a:t>‹#›</a:t>
             </a:fld>
@@ -1461,7 +1461,7 @@
     </p:spTree>
     <p:extLst>
       <p:ext uri="{BB962C8B-B14F-4D97-AF65-F5344CB8AC3E}">
-        <p14:creationId xmlns:p14="http://schemas.microsoft.com/office/powerpoint/2010/main" val="1562642744"/>
+        <p14:creationId xmlns:p14="http://schemas.microsoft.com/office/powerpoint/2010/main" val="4223681214"/>
       </p:ext>
     </p:extLst>
   </p:cSld>
@@ -1493,7 +1493,7 @@
           <p:cNvPr id="2" name="标题 1">
             <a:extLst>
               <a:ext uri="{FF2B5EF4-FFF2-40B4-BE49-F238E27FC236}">
-                <a16:creationId xmlns:a16="http://schemas.microsoft.com/office/drawing/2014/main" id="{4948F0CC-AAEB-9816-C3B6-B74B0DB743A6}"/>
+                <a16:creationId xmlns:a16="http://schemas.microsoft.com/office/drawing/2014/main" id="{62E3BAE0-24AF-89C2-FA1A-70D138F47486}"/>
               </a:ext>
             </a:extLst>
           </p:cNvPr>
@@ -1526,7 +1526,7 @@
           <p:cNvPr id="3" name="文本占位符 2">
             <a:extLst>
               <a:ext uri="{FF2B5EF4-FFF2-40B4-BE49-F238E27FC236}">
-                <a16:creationId xmlns:a16="http://schemas.microsoft.com/office/drawing/2014/main" id="{C0FF1841-00BE-FDC5-75EB-93217EDC622A}"/>
+                <a16:creationId xmlns:a16="http://schemas.microsoft.com/office/drawing/2014/main" id="{C56C7226-9C64-E536-C113-5A1FC9DB970D}"/>
               </a:ext>
             </a:extLst>
           </p:cNvPr>
@@ -1597,7 +1597,7 @@
           <p:cNvPr id="4" name="内容占位符 3">
             <a:extLst>
               <a:ext uri="{FF2B5EF4-FFF2-40B4-BE49-F238E27FC236}">
-                <a16:creationId xmlns:a16="http://schemas.microsoft.com/office/drawing/2014/main" id="{9D249DEE-9825-5657-133B-355CE925F5C2}"/>
+                <a16:creationId xmlns:a16="http://schemas.microsoft.com/office/drawing/2014/main" id="{10FEDD68-37DC-EBE5-24FD-E0C001D12663}"/>
               </a:ext>
             </a:extLst>
           </p:cNvPr>
@@ -1659,7 +1659,7 @@
           <p:cNvPr id="5" name="文本占位符 4">
             <a:extLst>
               <a:ext uri="{FF2B5EF4-FFF2-40B4-BE49-F238E27FC236}">
-                <a16:creationId xmlns:a16="http://schemas.microsoft.com/office/drawing/2014/main" id="{2E503CDB-B076-99E9-CFE3-23DCFB1177A5}"/>
+                <a16:creationId xmlns:a16="http://schemas.microsoft.com/office/drawing/2014/main" id="{8AF9613C-0424-ADB1-67B7-BC72B4FA00C7}"/>
               </a:ext>
             </a:extLst>
           </p:cNvPr>
@@ -1730,7 +1730,7 @@
           <p:cNvPr id="6" name="内容占位符 5">
             <a:extLst>
               <a:ext uri="{FF2B5EF4-FFF2-40B4-BE49-F238E27FC236}">
-                <a16:creationId xmlns:a16="http://schemas.microsoft.com/office/drawing/2014/main" id="{66F04B4E-48DF-9C0E-FE00-D48352F45D1D}"/>
+                <a16:creationId xmlns:a16="http://schemas.microsoft.com/office/drawing/2014/main" id="{652E81CA-2101-4858-6445-9603D6B3694A}"/>
               </a:ext>
             </a:extLst>
           </p:cNvPr>
@@ -1792,7 +1792,7 @@
           <p:cNvPr id="7" name="日期占位符 6">
             <a:extLst>
               <a:ext uri="{FF2B5EF4-FFF2-40B4-BE49-F238E27FC236}">
-                <a16:creationId xmlns:a16="http://schemas.microsoft.com/office/drawing/2014/main" id="{C611F1D4-4ABD-6400-3983-AF48645D476B}"/>
+                <a16:creationId xmlns:a16="http://schemas.microsoft.com/office/drawing/2014/main" id="{37BE7907-4EA6-276E-AFCB-190F373308BB}"/>
               </a:ext>
             </a:extLst>
           </p:cNvPr>
@@ -1808,7 +1808,7 @@
           <a:bodyPr/>
           <a:lstStyle/>
           <a:p>
-            <a:fld id="{AE6675D6-26F1-418E-8122-24FDEAC326FB}" type="datetimeFigureOut">
+            <a:fld id="{07260B31-5160-4582-B4D1-BBCC768F8542}" type="datetimeFigureOut">
               <a:rPr lang="zh-CN" altLang="en-US" smtClean="0"/>
               <a:t>2024/3/10</a:t>
             </a:fld>
@@ -1821,7 +1821,7 @@
           <p:cNvPr id="8" name="页脚占位符 7">
             <a:extLst>
               <a:ext uri="{FF2B5EF4-FFF2-40B4-BE49-F238E27FC236}">
-                <a16:creationId xmlns:a16="http://schemas.microsoft.com/office/drawing/2014/main" id="{ADF7B27E-3524-2910-FA8A-A0DCF2D38326}"/>
+                <a16:creationId xmlns:a16="http://schemas.microsoft.com/office/drawing/2014/main" id="{80DF51CA-B398-A9DC-CC35-E9B24628BF1A}"/>
               </a:ext>
             </a:extLst>
           </p:cNvPr>
@@ -1846,7 +1846,7 @@
           <p:cNvPr id="9" name="灯片编号占位符 8">
             <a:extLst>
               <a:ext uri="{FF2B5EF4-FFF2-40B4-BE49-F238E27FC236}">
-                <a16:creationId xmlns:a16="http://schemas.microsoft.com/office/drawing/2014/main" id="{53BCCB7F-0B23-A2E0-3A56-0FFAAD79842B}"/>
+                <a16:creationId xmlns:a16="http://schemas.microsoft.com/office/drawing/2014/main" id="{692AB60A-0E70-E32D-C94B-0FD42B988750}"/>
               </a:ext>
             </a:extLst>
           </p:cNvPr>
@@ -1862,7 +1862,7 @@
           <a:bodyPr/>
           <a:lstStyle/>
           <a:p>
-            <a:fld id="{11FD2792-66CA-4F53-8263-AEE2F7B5177F}" type="slidenum">
+            <a:fld id="{916F31A9-EAC6-473A-B040-E60322B4F40B}" type="slidenum">
               <a:rPr lang="zh-CN" altLang="en-US" smtClean="0"/>
               <a:t>‹#›</a:t>
             </a:fld>
@@ -1873,7 +1873,7 @@
     </p:spTree>
     <p:extLst>
       <p:ext uri="{BB962C8B-B14F-4D97-AF65-F5344CB8AC3E}">
-        <p14:creationId xmlns:p14="http://schemas.microsoft.com/office/powerpoint/2010/main" val="1788039314"/>
+        <p14:creationId xmlns:p14="http://schemas.microsoft.com/office/powerpoint/2010/main" val="3173792555"/>
       </p:ext>
     </p:extLst>
   </p:cSld>
@@ -1905,7 +1905,7 @@
           <p:cNvPr id="2" name="标题 1">
             <a:extLst>
               <a:ext uri="{FF2B5EF4-FFF2-40B4-BE49-F238E27FC236}">
-                <a16:creationId xmlns:a16="http://schemas.microsoft.com/office/drawing/2014/main" id="{C19C5F38-4DB4-C080-C4A7-466F40DB173D}"/>
+                <a16:creationId xmlns:a16="http://schemas.microsoft.com/office/drawing/2014/main" id="{0E5C4AA4-DE13-954D-038D-D65B7B89D68B}"/>
               </a:ext>
             </a:extLst>
           </p:cNvPr>
@@ -1933,7 +1933,7 @@
           <p:cNvPr id="3" name="日期占位符 2">
             <a:extLst>
               <a:ext uri="{FF2B5EF4-FFF2-40B4-BE49-F238E27FC236}">
-                <a16:creationId xmlns:a16="http://schemas.microsoft.com/office/drawing/2014/main" id="{0127A5B4-B496-9BC4-1B85-44ED89CA8DA4}"/>
+                <a16:creationId xmlns:a16="http://schemas.microsoft.com/office/drawing/2014/main" id="{ECE266A9-9C37-8315-3F94-E744951A73DD}"/>
               </a:ext>
             </a:extLst>
           </p:cNvPr>
@@ -1949,7 +1949,7 @@
           <a:bodyPr/>
           <a:lstStyle/>
           <a:p>
-            <a:fld id="{AE6675D6-26F1-418E-8122-24FDEAC326FB}" type="datetimeFigureOut">
+            <a:fld id="{07260B31-5160-4582-B4D1-BBCC768F8542}" type="datetimeFigureOut">
               <a:rPr lang="zh-CN" altLang="en-US" smtClean="0"/>
               <a:t>2024/3/10</a:t>
             </a:fld>
@@ -1962,7 +1962,7 @@
           <p:cNvPr id="4" name="页脚占位符 3">
             <a:extLst>
               <a:ext uri="{FF2B5EF4-FFF2-40B4-BE49-F238E27FC236}">
-                <a16:creationId xmlns:a16="http://schemas.microsoft.com/office/drawing/2014/main" id="{709D1358-C211-F84C-BA05-8070B31F16A1}"/>
+                <a16:creationId xmlns:a16="http://schemas.microsoft.com/office/drawing/2014/main" id="{B1645128-BAD3-FE5F-AC2E-7393285C0C12}"/>
               </a:ext>
             </a:extLst>
           </p:cNvPr>
@@ -1987,7 +1987,7 @@
           <p:cNvPr id="5" name="灯片编号占位符 4">
             <a:extLst>
               <a:ext uri="{FF2B5EF4-FFF2-40B4-BE49-F238E27FC236}">
-                <a16:creationId xmlns:a16="http://schemas.microsoft.com/office/drawing/2014/main" id="{11E22B9C-9F1E-F5F0-7CB9-09935FEFB604}"/>
+                <a16:creationId xmlns:a16="http://schemas.microsoft.com/office/drawing/2014/main" id="{16FAEE0C-B811-5360-5B4B-EC59B6357060}"/>
               </a:ext>
             </a:extLst>
           </p:cNvPr>
@@ -2003,7 +2003,7 @@
           <a:bodyPr/>
           <a:lstStyle/>
           <a:p>
-            <a:fld id="{11FD2792-66CA-4F53-8263-AEE2F7B5177F}" type="slidenum">
+            <a:fld id="{916F31A9-EAC6-473A-B040-E60322B4F40B}" type="slidenum">
               <a:rPr lang="zh-CN" altLang="en-US" smtClean="0"/>
               <a:t>‹#›</a:t>
             </a:fld>
@@ -2014,7 +2014,7 @@
     </p:spTree>
     <p:extLst>
       <p:ext uri="{BB962C8B-B14F-4D97-AF65-F5344CB8AC3E}">
-        <p14:creationId xmlns:p14="http://schemas.microsoft.com/office/powerpoint/2010/main" val="2127069619"/>
+        <p14:creationId xmlns:p14="http://schemas.microsoft.com/office/powerpoint/2010/main" val="891812598"/>
       </p:ext>
     </p:extLst>
   </p:cSld>
@@ -2046,7 +2046,7 @@
           <p:cNvPr id="2" name="日期占位符 1">
             <a:extLst>
               <a:ext uri="{FF2B5EF4-FFF2-40B4-BE49-F238E27FC236}">
-                <a16:creationId xmlns:a16="http://schemas.microsoft.com/office/drawing/2014/main" id="{01D1E537-EB95-470E-4600-067FE8817F37}"/>
+                <a16:creationId xmlns:a16="http://schemas.microsoft.com/office/drawing/2014/main" id="{6C8605B3-2FFF-C7AF-D51F-ABE5C482C917}"/>
               </a:ext>
             </a:extLst>
           </p:cNvPr>
@@ -2062,7 +2062,7 @@
           <a:bodyPr/>
           <a:lstStyle/>
           <a:p>
-            <a:fld id="{AE6675D6-26F1-418E-8122-24FDEAC326FB}" type="datetimeFigureOut">
+            <a:fld id="{07260B31-5160-4582-B4D1-BBCC768F8542}" type="datetimeFigureOut">
               <a:rPr lang="zh-CN" altLang="en-US" smtClean="0"/>
               <a:t>2024/3/10</a:t>
             </a:fld>
@@ -2075,7 +2075,7 @@
           <p:cNvPr id="3" name="页脚占位符 2">
             <a:extLst>
               <a:ext uri="{FF2B5EF4-FFF2-40B4-BE49-F238E27FC236}">
-                <a16:creationId xmlns:a16="http://schemas.microsoft.com/office/drawing/2014/main" id="{CDC2866A-1B76-15C8-E763-4945B7474F62}"/>
+                <a16:creationId xmlns:a16="http://schemas.microsoft.com/office/drawing/2014/main" id="{11DE5B43-70EE-D7D4-1860-3BC7CDF7B296}"/>
               </a:ext>
             </a:extLst>
           </p:cNvPr>
@@ -2100,7 +2100,7 @@
           <p:cNvPr id="4" name="灯片编号占位符 3">
             <a:extLst>
               <a:ext uri="{FF2B5EF4-FFF2-40B4-BE49-F238E27FC236}">
-                <a16:creationId xmlns:a16="http://schemas.microsoft.com/office/drawing/2014/main" id="{0AC98D02-7561-C059-F0CA-45881AABFEA8}"/>
+                <a16:creationId xmlns:a16="http://schemas.microsoft.com/office/drawing/2014/main" id="{9D0AE280-398B-7354-F199-1552839D65BC}"/>
               </a:ext>
             </a:extLst>
           </p:cNvPr>
@@ -2116,7 +2116,7 @@
           <a:bodyPr/>
           <a:lstStyle/>
           <a:p>
-            <a:fld id="{11FD2792-66CA-4F53-8263-AEE2F7B5177F}" type="slidenum">
+            <a:fld id="{916F31A9-EAC6-473A-B040-E60322B4F40B}" type="slidenum">
               <a:rPr lang="zh-CN" altLang="en-US" smtClean="0"/>
               <a:t>‹#›</a:t>
             </a:fld>
@@ -2127,7 +2127,7 @@
     </p:spTree>
     <p:extLst>
       <p:ext uri="{BB962C8B-B14F-4D97-AF65-F5344CB8AC3E}">
-        <p14:creationId xmlns:p14="http://schemas.microsoft.com/office/powerpoint/2010/main" val="464816785"/>
+        <p14:creationId xmlns:p14="http://schemas.microsoft.com/office/powerpoint/2010/main" val="1100541655"/>
       </p:ext>
     </p:extLst>
   </p:cSld>
@@ -2159,7 +2159,7 @@
           <p:cNvPr id="2" name="标题 1">
             <a:extLst>
               <a:ext uri="{FF2B5EF4-FFF2-40B4-BE49-F238E27FC236}">
-                <a16:creationId xmlns:a16="http://schemas.microsoft.com/office/drawing/2014/main" id="{A9BAB47C-BB7F-3870-67EB-0A5C7E1E5258}"/>
+                <a16:creationId xmlns:a16="http://schemas.microsoft.com/office/drawing/2014/main" id="{0F8FF027-927A-4D05-AB18-11B07B0448EB}"/>
               </a:ext>
             </a:extLst>
           </p:cNvPr>
@@ -2196,7 +2196,7 @@
           <p:cNvPr id="3" name="内容占位符 2">
             <a:extLst>
               <a:ext uri="{FF2B5EF4-FFF2-40B4-BE49-F238E27FC236}">
-                <a16:creationId xmlns:a16="http://schemas.microsoft.com/office/drawing/2014/main" id="{6EED17CD-3CF3-44BE-2FEE-337D401D1057}"/>
+                <a16:creationId xmlns:a16="http://schemas.microsoft.com/office/drawing/2014/main" id="{10B5A245-F782-EE80-C777-678E0CD9C31D}"/>
               </a:ext>
             </a:extLst>
           </p:cNvPr>
@@ -2286,7 +2286,7 @@
           <p:cNvPr id="4" name="文本占位符 3">
             <a:extLst>
               <a:ext uri="{FF2B5EF4-FFF2-40B4-BE49-F238E27FC236}">
-                <a16:creationId xmlns:a16="http://schemas.microsoft.com/office/drawing/2014/main" id="{1EB2FE14-012D-3A9B-1D26-D3BB05668436}"/>
+                <a16:creationId xmlns:a16="http://schemas.microsoft.com/office/drawing/2014/main" id="{7B945C29-EDCB-0501-1354-11531120B837}"/>
               </a:ext>
             </a:extLst>
           </p:cNvPr>
@@ -2357,7 +2357,7 @@
           <p:cNvPr id="5" name="日期占位符 4">
             <a:extLst>
               <a:ext uri="{FF2B5EF4-FFF2-40B4-BE49-F238E27FC236}">
-                <a16:creationId xmlns:a16="http://schemas.microsoft.com/office/drawing/2014/main" id="{B91F2CD7-9D65-5231-F168-7C65E668BE52}"/>
+                <a16:creationId xmlns:a16="http://schemas.microsoft.com/office/drawing/2014/main" id="{B095E072-DCD5-B481-335A-2E5642F2DF23}"/>
               </a:ext>
             </a:extLst>
           </p:cNvPr>
@@ -2373,7 +2373,7 @@
           <a:bodyPr/>
           <a:lstStyle/>
           <a:p>
-            <a:fld id="{AE6675D6-26F1-418E-8122-24FDEAC326FB}" type="datetimeFigureOut">
+            <a:fld id="{07260B31-5160-4582-B4D1-BBCC768F8542}" type="datetimeFigureOut">
               <a:rPr lang="zh-CN" altLang="en-US" smtClean="0"/>
               <a:t>2024/3/10</a:t>
             </a:fld>
@@ -2386,7 +2386,7 @@
           <p:cNvPr id="6" name="页脚占位符 5">
             <a:extLst>
               <a:ext uri="{FF2B5EF4-FFF2-40B4-BE49-F238E27FC236}">
-                <a16:creationId xmlns:a16="http://schemas.microsoft.com/office/drawing/2014/main" id="{76F6338E-DD10-40D7-4F88-F33D92545570}"/>
+                <a16:creationId xmlns:a16="http://schemas.microsoft.com/office/drawing/2014/main" id="{D065D661-2A55-EB30-BBA5-89F4C58F92FB}"/>
               </a:ext>
             </a:extLst>
           </p:cNvPr>
@@ -2411,7 +2411,7 @@
           <p:cNvPr id="7" name="灯片编号占位符 6">
             <a:extLst>
               <a:ext uri="{FF2B5EF4-FFF2-40B4-BE49-F238E27FC236}">
-                <a16:creationId xmlns:a16="http://schemas.microsoft.com/office/drawing/2014/main" id="{170C3852-B901-3F62-0886-8E5AB1F7CD65}"/>
+                <a16:creationId xmlns:a16="http://schemas.microsoft.com/office/drawing/2014/main" id="{721A0420-7A63-B0F2-B5FD-DF4E4949B343}"/>
               </a:ext>
             </a:extLst>
           </p:cNvPr>
@@ -2427,7 +2427,7 @@
           <a:bodyPr/>
           <a:lstStyle/>
           <a:p>
-            <a:fld id="{11FD2792-66CA-4F53-8263-AEE2F7B5177F}" type="slidenum">
+            <a:fld id="{916F31A9-EAC6-473A-B040-E60322B4F40B}" type="slidenum">
               <a:rPr lang="zh-CN" altLang="en-US" smtClean="0"/>
               <a:t>‹#›</a:t>
             </a:fld>
@@ -2438,7 +2438,7 @@
     </p:spTree>
     <p:extLst>
       <p:ext uri="{BB962C8B-B14F-4D97-AF65-F5344CB8AC3E}">
-        <p14:creationId xmlns:p14="http://schemas.microsoft.com/office/powerpoint/2010/main" val="1764273939"/>
+        <p14:creationId xmlns:p14="http://schemas.microsoft.com/office/powerpoint/2010/main" val="774023294"/>
       </p:ext>
     </p:extLst>
   </p:cSld>
@@ -2470,7 +2470,7 @@
           <p:cNvPr id="2" name="标题 1">
             <a:extLst>
               <a:ext uri="{FF2B5EF4-FFF2-40B4-BE49-F238E27FC236}">
-                <a16:creationId xmlns:a16="http://schemas.microsoft.com/office/drawing/2014/main" id="{70152C1E-1B94-97D1-79ED-962F7A981B90}"/>
+                <a16:creationId xmlns:a16="http://schemas.microsoft.com/office/drawing/2014/main" id="{BAB4D074-D5BA-303D-B574-AF7DCA5E04AB}"/>
               </a:ext>
             </a:extLst>
           </p:cNvPr>
@@ -2507,7 +2507,7 @@
           <p:cNvPr id="3" name="图片占位符 2">
             <a:extLst>
               <a:ext uri="{FF2B5EF4-FFF2-40B4-BE49-F238E27FC236}">
-                <a16:creationId xmlns:a16="http://schemas.microsoft.com/office/drawing/2014/main" id="{07CA2ED7-6527-A6B9-037E-AB0CE978EFA5}"/>
+                <a16:creationId xmlns:a16="http://schemas.microsoft.com/office/drawing/2014/main" id="{6279F7E0-8DCD-8516-FCF7-DBE4085C4A1A}"/>
               </a:ext>
             </a:extLst>
           </p:cNvPr>
@@ -2574,7 +2574,7 @@
           <p:cNvPr id="4" name="文本占位符 3">
             <a:extLst>
               <a:ext uri="{FF2B5EF4-FFF2-40B4-BE49-F238E27FC236}">
-                <a16:creationId xmlns:a16="http://schemas.microsoft.com/office/drawing/2014/main" id="{BBC0CA41-A7FF-BE39-BA2B-91BA85D4FCB5}"/>
+                <a16:creationId xmlns:a16="http://schemas.microsoft.com/office/drawing/2014/main" id="{17901779-CE76-0AB0-4A76-831DAD2C6C6C}"/>
               </a:ext>
             </a:extLst>
           </p:cNvPr>
@@ -2645,7 +2645,7 @@
           <p:cNvPr id="5" name="日期占位符 4">
             <a:extLst>
               <a:ext uri="{FF2B5EF4-FFF2-40B4-BE49-F238E27FC236}">
-                <a16:creationId xmlns:a16="http://schemas.microsoft.com/office/drawing/2014/main" id="{1584AC72-8DCE-0F23-5C08-3FDF4353A62C}"/>
+                <a16:creationId xmlns:a16="http://schemas.microsoft.com/office/drawing/2014/main" id="{46494789-7E79-1091-2D52-A42AC0283C26}"/>
               </a:ext>
             </a:extLst>
           </p:cNvPr>
@@ -2661,7 +2661,7 @@
           <a:bodyPr/>
           <a:lstStyle/>
           <a:p>
-            <a:fld id="{AE6675D6-26F1-418E-8122-24FDEAC326FB}" type="datetimeFigureOut">
+            <a:fld id="{07260B31-5160-4582-B4D1-BBCC768F8542}" type="datetimeFigureOut">
               <a:rPr lang="zh-CN" altLang="en-US" smtClean="0"/>
               <a:t>2024/3/10</a:t>
             </a:fld>
@@ -2674,7 +2674,7 @@
           <p:cNvPr id="6" name="页脚占位符 5">
             <a:extLst>
               <a:ext uri="{FF2B5EF4-FFF2-40B4-BE49-F238E27FC236}">
-                <a16:creationId xmlns:a16="http://schemas.microsoft.com/office/drawing/2014/main" id="{3A548F79-6131-10FD-A826-0338D2DC753F}"/>
+                <a16:creationId xmlns:a16="http://schemas.microsoft.com/office/drawing/2014/main" id="{39B8BF8D-31F3-3951-6BB4-8A6F1EAE1D2C}"/>
               </a:ext>
             </a:extLst>
           </p:cNvPr>
@@ -2699,7 +2699,7 @@
           <p:cNvPr id="7" name="灯片编号占位符 6">
             <a:extLst>
               <a:ext uri="{FF2B5EF4-FFF2-40B4-BE49-F238E27FC236}">
-                <a16:creationId xmlns:a16="http://schemas.microsoft.com/office/drawing/2014/main" id="{7609FE12-3D44-A0EB-BEBD-D9DDCD00F3C6}"/>
+                <a16:creationId xmlns:a16="http://schemas.microsoft.com/office/drawing/2014/main" id="{AEE3D449-9A68-546C-7695-2D1E59B86FF6}"/>
               </a:ext>
             </a:extLst>
           </p:cNvPr>
@@ -2715,7 +2715,7 @@
           <a:bodyPr/>
           <a:lstStyle/>
           <a:p>
-            <a:fld id="{11FD2792-66CA-4F53-8263-AEE2F7B5177F}" type="slidenum">
+            <a:fld id="{916F31A9-EAC6-473A-B040-E60322B4F40B}" type="slidenum">
               <a:rPr lang="zh-CN" altLang="en-US" smtClean="0"/>
               <a:t>‹#›</a:t>
             </a:fld>
@@ -2726,7 +2726,7 @@
     </p:spTree>
     <p:extLst>
       <p:ext uri="{BB962C8B-B14F-4D97-AF65-F5344CB8AC3E}">
-        <p14:creationId xmlns:p14="http://schemas.microsoft.com/office/powerpoint/2010/main" val="3487447262"/>
+        <p14:creationId xmlns:p14="http://schemas.microsoft.com/office/powerpoint/2010/main" val="287501821"/>
       </p:ext>
     </p:extLst>
   </p:cSld>
@@ -2763,7 +2763,7 @@
           <p:cNvPr id="2" name="标题占位符 1">
             <a:extLst>
               <a:ext uri="{FF2B5EF4-FFF2-40B4-BE49-F238E27FC236}">
-                <a16:creationId xmlns:a16="http://schemas.microsoft.com/office/drawing/2014/main" id="{BB9834CC-B006-9BF0-6938-CE67A8DC432D}"/>
+                <a16:creationId xmlns:a16="http://schemas.microsoft.com/office/drawing/2014/main" id="{42D32C74-FFB7-08C1-4676-893A50C5512F}"/>
               </a:ext>
             </a:extLst>
           </p:cNvPr>
@@ -2801,7 +2801,7 @@
           <p:cNvPr id="3" name="文本占位符 2">
             <a:extLst>
               <a:ext uri="{FF2B5EF4-FFF2-40B4-BE49-F238E27FC236}">
-                <a16:creationId xmlns:a16="http://schemas.microsoft.com/office/drawing/2014/main" id="{109B835B-89D0-04F0-43A3-DF1C0B1DD475}"/>
+                <a16:creationId xmlns:a16="http://schemas.microsoft.com/office/drawing/2014/main" id="{B3978BAD-13CA-EB19-99F7-9F9D553D2B7B}"/>
               </a:ext>
             </a:extLst>
           </p:cNvPr>
@@ -2868,7 +2868,7 @@
           <p:cNvPr id="4" name="日期占位符 3">
             <a:extLst>
               <a:ext uri="{FF2B5EF4-FFF2-40B4-BE49-F238E27FC236}">
-                <a16:creationId xmlns:a16="http://schemas.microsoft.com/office/drawing/2014/main" id="{626BDD6B-2FCF-5E94-4E0F-97C22660C5C8}"/>
+                <a16:creationId xmlns:a16="http://schemas.microsoft.com/office/drawing/2014/main" id="{AB5E5914-FDD7-73B3-5A5A-1CCB9A058F21}"/>
               </a:ext>
             </a:extLst>
           </p:cNvPr>
@@ -2902,7 +2902,7 @@
             </a:lvl1pPr>
           </a:lstStyle>
           <a:p>
-            <a:fld id="{AE6675D6-26F1-418E-8122-24FDEAC326FB}" type="datetimeFigureOut">
+            <a:fld id="{07260B31-5160-4582-B4D1-BBCC768F8542}" type="datetimeFigureOut">
               <a:rPr lang="zh-CN" altLang="en-US" smtClean="0"/>
               <a:t>2024/3/10</a:t>
             </a:fld>
@@ -2915,7 +2915,7 @@
           <p:cNvPr id="5" name="页脚占位符 4">
             <a:extLst>
               <a:ext uri="{FF2B5EF4-FFF2-40B4-BE49-F238E27FC236}">
-                <a16:creationId xmlns:a16="http://schemas.microsoft.com/office/drawing/2014/main" id="{4A13936D-96F0-A288-6495-5C3C98784192}"/>
+                <a16:creationId xmlns:a16="http://schemas.microsoft.com/office/drawing/2014/main" id="{A2525F37-DE57-E110-1F74-63EBC4A8D632}"/>
               </a:ext>
             </a:extLst>
           </p:cNvPr>
@@ -2958,7 +2958,7 @@
           <p:cNvPr id="6" name="灯片编号占位符 5">
             <a:extLst>
               <a:ext uri="{FF2B5EF4-FFF2-40B4-BE49-F238E27FC236}">
-                <a16:creationId xmlns:a16="http://schemas.microsoft.com/office/drawing/2014/main" id="{ED723FCF-F559-3398-46D2-440C3EA83C28}"/>
+                <a16:creationId xmlns:a16="http://schemas.microsoft.com/office/drawing/2014/main" id="{514FA78C-CC47-1E86-1466-47061B01B17E}"/>
               </a:ext>
             </a:extLst>
           </p:cNvPr>
@@ -2992,7 +2992,7 @@
             </a:lvl1pPr>
           </a:lstStyle>
           <a:p>
-            <a:fld id="{11FD2792-66CA-4F53-8263-AEE2F7B5177F}" type="slidenum">
+            <a:fld id="{916F31A9-EAC6-473A-B040-E60322B4F40B}" type="slidenum">
               <a:rPr lang="zh-CN" altLang="en-US" smtClean="0"/>
               <a:t>‹#›</a:t>
             </a:fld>
@@ -3003,7 +3003,7 @@
     </p:spTree>
     <p:extLst>
       <p:ext uri="{BB962C8B-B14F-4D97-AF65-F5344CB8AC3E}">
-        <p14:creationId xmlns:p14="http://schemas.microsoft.com/office/powerpoint/2010/main" val="1046393563"/>
+        <p14:creationId xmlns:p14="http://schemas.microsoft.com/office/powerpoint/2010/main" val="1963406292"/>
       </p:ext>
     </p:extLst>
   </p:cSld>
@@ -3323,7 +3323,7 @@
       </p:grpSpPr>
       <p:pic>
         <p:nvPicPr>
-          <p:cNvPr id="797698" name="Picture 2" descr="778"/>
+          <p:cNvPr id="798722" name="Picture 2" descr="779"/>
           <p:cNvPicPr>
             <a:picLocks noChangeAspect="1" noChangeArrowheads="1"/>
           </p:cNvPicPr>
@@ -3344,8 +3344,8 @@
         </p:blipFill>
         <p:spPr bwMode="auto">
           <a:xfrm>
-            <a:off x="1524000" y="0"/>
-            <a:ext cx="9144000" cy="6858000"/>
+            <a:off x="1558925" y="1"/>
+            <a:ext cx="9144000" cy="5445125"/>
           </a:xfrm>
           <a:prstGeom prst="rect">
             <a:avLst/>
